--- a/Daily Agendas/Day1.2_CaseStudy1_Feb06.pptx
+++ b/Daily Agendas/Day1.2_CaseStudy1_Feb06.pptx
@@ -7,6 +7,7 @@
   <p:sldIdLst>
     <p:sldId id="258" r:id="rId2"/>
     <p:sldId id="256" r:id="rId3"/>
+    <p:sldId id="259" r:id="rId4"/>
   </p:sldIdLst>
   <p:sldSz cx="9144000" cy="6858000" type="screen4x3"/>
   <p:notesSz cx="6858000" cy="9144000"/>
@@ -124,6 +125,10 @@
 </p:presentation>
 </file>
 
+<file path=ppt/revisionInfo.xml><?xml version="1.0" encoding="utf-8"?>
+<p1510:revInfo xmlns:a="http://schemas.openxmlformats.org/drawingml/2006/main" xmlns:r="http://schemas.openxmlformats.org/officeDocument/2006/relationships" xmlns:p1510="http://schemas.microsoft.com/office/powerpoint/2015/10/main"/>
+</file>
+
 <file path=ppt/slideLayouts/slideLayout1.xml><?xml version="1.0" encoding="utf-8"?>
 <p:sldLayout xmlns:a="http://schemas.openxmlformats.org/drawingml/2006/main" xmlns:r="http://schemas.openxmlformats.org/officeDocument/2006/relationships" xmlns:p="http://schemas.openxmlformats.org/presentationml/2006/main" type="title" preserve="1">
   <p:cSld name="Title Slide">
@@ -304,7 +309,7 @@
             <a:fld id="{1D8BD707-D9CF-40AE-B4C6-C98DA3205C09}" type="datetimeFigureOut">
               <a:rPr lang="en-US" smtClean="0"/>
               <a:pPr/>
-              <a:t>2/3/2018</a:t>
+              <a:t>2/4/2018</a:t>
             </a:fld>
             <a:endParaRPr lang="en-US"/>
           </a:p>
@@ -469,7 +474,7 @@
             <a:fld id="{1D8BD707-D9CF-40AE-B4C6-C98DA3205C09}" type="datetimeFigureOut">
               <a:rPr lang="en-US" smtClean="0"/>
               <a:pPr/>
-              <a:t>2/3/2018</a:t>
+              <a:t>2/4/2018</a:t>
             </a:fld>
             <a:endParaRPr lang="en-US"/>
           </a:p>
@@ -644,7 +649,7 @@
             <a:fld id="{1D8BD707-D9CF-40AE-B4C6-C98DA3205C09}" type="datetimeFigureOut">
               <a:rPr lang="en-US" smtClean="0"/>
               <a:pPr/>
-              <a:t>2/3/2018</a:t>
+              <a:t>2/4/2018</a:t>
             </a:fld>
             <a:endParaRPr lang="en-US"/>
           </a:p>
@@ -809,7 +814,7 @@
             <a:fld id="{1D8BD707-D9CF-40AE-B4C6-C98DA3205C09}" type="datetimeFigureOut">
               <a:rPr lang="en-US" smtClean="0"/>
               <a:pPr/>
-              <a:t>2/3/2018</a:t>
+              <a:t>2/4/2018</a:t>
             </a:fld>
             <a:endParaRPr lang="en-US"/>
           </a:p>
@@ -1051,7 +1056,7 @@
             <a:fld id="{1D8BD707-D9CF-40AE-B4C6-C98DA3205C09}" type="datetimeFigureOut">
               <a:rPr lang="en-US" smtClean="0"/>
               <a:pPr/>
-              <a:t>2/3/2018</a:t>
+              <a:t>2/4/2018</a:t>
             </a:fld>
             <a:endParaRPr lang="en-US"/>
           </a:p>
@@ -1333,7 +1338,7 @@
             <a:fld id="{1D8BD707-D9CF-40AE-B4C6-C98DA3205C09}" type="datetimeFigureOut">
               <a:rPr lang="en-US" smtClean="0"/>
               <a:pPr/>
-              <a:t>2/3/2018</a:t>
+              <a:t>2/4/2018</a:t>
             </a:fld>
             <a:endParaRPr lang="en-US"/>
           </a:p>
@@ -1749,7 +1754,7 @@
             <a:fld id="{1D8BD707-D9CF-40AE-B4C6-C98DA3205C09}" type="datetimeFigureOut">
               <a:rPr lang="en-US" smtClean="0"/>
               <a:pPr/>
-              <a:t>2/3/2018</a:t>
+              <a:t>2/4/2018</a:t>
             </a:fld>
             <a:endParaRPr lang="en-US"/>
           </a:p>
@@ -1863,7 +1868,7 @@
             <a:fld id="{1D8BD707-D9CF-40AE-B4C6-C98DA3205C09}" type="datetimeFigureOut">
               <a:rPr lang="en-US" smtClean="0"/>
               <a:pPr/>
-              <a:t>2/3/2018</a:t>
+              <a:t>2/4/2018</a:t>
             </a:fld>
             <a:endParaRPr lang="en-US"/>
           </a:p>
@@ -1955,7 +1960,7 @@
             <a:fld id="{1D8BD707-D9CF-40AE-B4C6-C98DA3205C09}" type="datetimeFigureOut">
               <a:rPr lang="en-US" smtClean="0"/>
               <a:pPr/>
-              <a:t>2/3/2018</a:t>
+              <a:t>2/4/2018</a:t>
             </a:fld>
             <a:endParaRPr lang="en-US"/>
           </a:p>
@@ -2227,7 +2232,7 @@
             <a:fld id="{1D8BD707-D9CF-40AE-B4C6-C98DA3205C09}" type="datetimeFigureOut">
               <a:rPr lang="en-US" smtClean="0"/>
               <a:pPr/>
-              <a:t>2/3/2018</a:t>
+              <a:t>2/4/2018</a:t>
             </a:fld>
             <a:endParaRPr lang="en-US"/>
           </a:p>
@@ -2476,7 +2481,7 @@
             <a:fld id="{1D8BD707-D9CF-40AE-B4C6-C98DA3205C09}" type="datetimeFigureOut">
               <a:rPr lang="en-US" smtClean="0"/>
               <a:pPr/>
-              <a:t>2/3/2018</a:t>
+              <a:t>2/4/2018</a:t>
             </a:fld>
             <a:endParaRPr lang="en-US"/>
           </a:p>
@@ -2684,7 +2689,7 @@
             <a:fld id="{1D8BD707-D9CF-40AE-B4C6-C98DA3205C09}" type="datetimeFigureOut">
               <a:rPr lang="en-US" smtClean="0"/>
               <a:pPr/>
-              <a:t>2/3/2018</a:t>
+              <a:t>2/4/2018</a:t>
             </a:fld>
             <a:endParaRPr lang="en-US"/>
           </a:p>
@@ -3202,7 +3207,7 @@
             <a:pPr lvl="1"/>
             <a:r>
               <a:rPr lang="en-US" dirty="0"/>
-              <a:t>Supply Day</a:t>
+              <a:t>Supply Day / Modified Day</a:t>
             </a:r>
           </a:p>
           <a:p>
@@ -3254,6 +3259,119 @@
         </p:txBody>
       </p:sp>
     </p:spTree>
+  </p:cSld>
+  <p:clrMapOvr>
+    <a:masterClrMapping/>
+  </p:clrMapOvr>
+</p:sld>
+</file>
+
+<file path=ppt/slides/slide3.xml><?xml version="1.0" encoding="utf-8"?>
+<p:sld xmlns:a="http://schemas.openxmlformats.org/drawingml/2006/main" xmlns:r="http://schemas.openxmlformats.org/officeDocument/2006/relationships" xmlns:p="http://schemas.openxmlformats.org/presentationml/2006/main">
+  <p:cSld>
+    <p:spTree>
+      <p:nvGrpSpPr>
+        <p:cNvPr id="1" name=""/>
+        <p:cNvGrpSpPr/>
+        <p:nvPr/>
+      </p:nvGrpSpPr>
+      <p:grpSpPr>
+        <a:xfrm>
+          <a:off x="0" y="0"/>
+          <a:ext cx="0" cy="0"/>
+          <a:chOff x="0" y="0"/>
+          <a:chExt cx="0" cy="0"/>
+        </a:xfrm>
+      </p:grpSpPr>
+      <p:sp>
+        <p:nvSpPr>
+          <p:cNvPr id="2" name="Title 1">
+            <a:extLst>
+              <a:ext uri="{FF2B5EF4-FFF2-40B4-BE49-F238E27FC236}">
+                <a16:creationId xmlns:a16="http://schemas.microsoft.com/office/drawing/2014/main" id="{401A25AB-B600-4B23-9426-F8AE0A18C281}"/>
+              </a:ext>
+            </a:extLst>
+          </p:cNvPr>
+          <p:cNvSpPr>
+            <a:spLocks noGrp="1"/>
+          </p:cNvSpPr>
+          <p:nvPr>
+            <p:ph type="title"/>
+          </p:nvPr>
+        </p:nvSpPr>
+        <p:spPr/>
+        <p:txBody>
+          <a:bodyPr/>
+          <a:lstStyle/>
+          <a:p>
+            <a:r>
+              <a:rPr lang="en-US"/>
+              <a:t>Modified Day</a:t>
+            </a:r>
+          </a:p>
+        </p:txBody>
+      </p:sp>
+      <p:sp>
+        <p:nvSpPr>
+          <p:cNvPr id="3" name="Content Placeholder 2">
+            <a:extLst>
+              <a:ext uri="{FF2B5EF4-FFF2-40B4-BE49-F238E27FC236}">
+                <a16:creationId xmlns:a16="http://schemas.microsoft.com/office/drawing/2014/main" id="{9E6D81AD-C0DA-4E5B-A531-318D3F2B52C8}"/>
+              </a:ext>
+            </a:extLst>
+          </p:cNvPr>
+          <p:cNvSpPr>
+            <a:spLocks noGrp="1"/>
+          </p:cNvSpPr>
+          <p:nvPr>
+            <p:ph idx="1"/>
+          </p:nvPr>
+        </p:nvSpPr>
+        <p:spPr/>
+        <p:txBody>
+          <a:bodyPr/>
+          <a:lstStyle/>
+          <a:p>
+            <a:endParaRPr lang="en-US"/>
+          </a:p>
+        </p:txBody>
+      </p:sp>
+      <p:pic>
+        <p:nvPicPr>
+          <p:cNvPr id="4" name="Picture 3">
+            <a:extLst>
+              <a:ext uri="{FF2B5EF4-FFF2-40B4-BE49-F238E27FC236}">
+                <a16:creationId xmlns:a16="http://schemas.microsoft.com/office/drawing/2014/main" id="{9C7506D4-3708-48FF-918F-F357A20C9221}"/>
+              </a:ext>
+            </a:extLst>
+          </p:cNvPr>
+          <p:cNvPicPr>
+            <a:picLocks noChangeAspect="1"/>
+          </p:cNvPicPr>
+          <p:nvPr/>
+        </p:nvPicPr>
+        <p:blipFill>
+          <a:blip r:embed="rId2"/>
+          <a:stretch>
+            <a:fillRect/>
+          </a:stretch>
+        </p:blipFill>
+        <p:spPr>
+          <a:xfrm>
+            <a:off x="133350" y="2190750"/>
+            <a:ext cx="8877300" cy="2476500"/>
+          </a:xfrm>
+          <a:prstGeom prst="rect">
+            <a:avLst/>
+          </a:prstGeom>
+        </p:spPr>
+      </p:pic>
+    </p:spTree>
+    <p:extLst>
+      <p:ext uri="{BB962C8B-B14F-4D97-AF65-F5344CB8AC3E}">
+        <p14:creationId xmlns:p14="http://schemas.microsoft.com/office/powerpoint/2010/main" val="3017884684"/>
+      </p:ext>
+    </p:extLst>
   </p:cSld>
   <p:clrMapOvr>
     <a:masterClrMapping/>
